--- a/Git Branching.pptx
+++ b/Git Branching.pptx
@@ -15,6 +15,7 @@
     <p:sldId id="260" r:id="rId10"/>
     <p:sldId id="261" r:id="rId11"/>
     <p:sldId id="262" r:id="rId12"/>
+    <p:sldId id="263" r:id="rId13"/>
   </p:sldIdLst>
   <p:sldSz cy="5143500" cx="9144000"/>
   <p:notesSz cx="6858000" cy="9144000"/>
@@ -895,7 +896,7 @@
   <p:cSld>
     <p:spTree>
       <p:nvGrpSpPr>
-        <p:cNvPr id="62" name="Shape 62"/>
+        <p:cNvPr id="63" name="Shape 63"/>
         <p:cNvGrpSpPr/>
         <p:nvPr/>
       </p:nvGrpSpPr>
@@ -909,7 +910,7 @@
       </p:grpSpPr>
       <p:sp>
         <p:nvSpPr>
-          <p:cNvPr id="63" name="Google Shape;63;g73b2e0a105_0_5:notes"/>
+          <p:cNvPr id="64" name="Google Shape;64;g7fe4c07d7c_1_0:notes"/>
           <p:cNvSpPr/>
           <p:nvPr>
             <p:ph idx="2" type="sldImg"/>
@@ -944,7 +945,7 @@
       </p:sp>
       <p:sp>
         <p:nvSpPr>
-          <p:cNvPr id="64" name="Google Shape;64;g73b2e0a105_0_5:notes"/>
+          <p:cNvPr id="65" name="Google Shape;65;g7fe4c07d7c_1_0:notes"/>
           <p:cNvSpPr txBox="1"/>
           <p:nvPr>
             <p:ph idx="1" type="body"/>
@@ -994,7 +995,7 @@
   <p:cSld>
     <p:spTree>
       <p:nvGrpSpPr>
-        <p:cNvPr id="71" name="Shape 71"/>
+        <p:cNvPr id="70" name="Shape 70"/>
         <p:cNvGrpSpPr/>
         <p:nvPr/>
       </p:nvGrpSpPr>
@@ -1008,7 +1009,7 @@
       </p:grpSpPr>
       <p:sp>
         <p:nvSpPr>
-          <p:cNvPr id="72" name="Google Shape;72;g73b2e0a105_0_13:notes"/>
+          <p:cNvPr id="71" name="Google Shape;71;g73b2e0a105_0_5:notes"/>
           <p:cNvSpPr/>
           <p:nvPr>
             <p:ph idx="2" type="sldImg"/>
@@ -1043,7 +1044,7 @@
       </p:sp>
       <p:sp>
         <p:nvSpPr>
-          <p:cNvPr id="73" name="Google Shape;73;g73b2e0a105_0_13:notes"/>
+          <p:cNvPr id="72" name="Google Shape;72;g73b2e0a105_0_5:notes"/>
           <p:cNvSpPr txBox="1"/>
           <p:nvPr>
             <p:ph idx="1" type="body"/>
@@ -1093,7 +1094,7 @@
   <p:cSld>
     <p:spTree>
       <p:nvGrpSpPr>
-        <p:cNvPr id="78" name="Shape 78"/>
+        <p:cNvPr id="79" name="Shape 79"/>
         <p:cNvGrpSpPr/>
         <p:nvPr/>
       </p:nvGrpSpPr>
@@ -1107,7 +1108,7 @@
       </p:grpSpPr>
       <p:sp>
         <p:nvSpPr>
-          <p:cNvPr id="79" name="Google Shape;79;g73b2e0a105_0_19:notes"/>
+          <p:cNvPr id="80" name="Google Shape;80;g73b2e0a105_0_13:notes"/>
           <p:cNvSpPr/>
           <p:nvPr>
             <p:ph idx="2" type="sldImg"/>
@@ -1142,7 +1143,7 @@
       </p:sp>
       <p:sp>
         <p:nvSpPr>
-          <p:cNvPr id="80" name="Google Shape;80;g73b2e0a105_0_19:notes"/>
+          <p:cNvPr id="81" name="Google Shape;81;g73b2e0a105_0_13:notes"/>
           <p:cNvSpPr txBox="1"/>
           <p:nvPr>
             <p:ph idx="1" type="body"/>
@@ -1192,7 +1193,7 @@
   <p:cSld>
     <p:spTree>
       <p:nvGrpSpPr>
-        <p:cNvPr id="85" name="Shape 85"/>
+        <p:cNvPr id="86" name="Shape 86"/>
         <p:cNvGrpSpPr/>
         <p:nvPr/>
       </p:nvGrpSpPr>
@@ -1206,7 +1207,7 @@
       </p:grpSpPr>
       <p:sp>
         <p:nvSpPr>
-          <p:cNvPr id="86" name="Google Shape;86;g73b2e0a105_0_26:notes"/>
+          <p:cNvPr id="87" name="Google Shape;87;g73b2e0a105_0_19:notes"/>
           <p:cNvSpPr/>
           <p:nvPr>
             <p:ph idx="2" type="sldImg"/>
@@ -1241,7 +1242,7 @@
       </p:sp>
       <p:sp>
         <p:nvSpPr>
-          <p:cNvPr id="87" name="Google Shape;87;g73b2e0a105_0_26:notes"/>
+          <p:cNvPr id="88" name="Google Shape;88;g73b2e0a105_0_19:notes"/>
           <p:cNvSpPr txBox="1"/>
           <p:nvPr>
             <p:ph idx="1" type="body"/>
@@ -1305,7 +1306,7 @@
       </p:grpSpPr>
       <p:sp>
         <p:nvSpPr>
-          <p:cNvPr id="94" name="Google Shape;94;g73b2e0a105_0_34:notes"/>
+          <p:cNvPr id="94" name="Google Shape;94;g73b2e0a105_0_26:notes"/>
           <p:cNvSpPr/>
           <p:nvPr>
             <p:ph idx="2" type="sldImg"/>
@@ -1340,7 +1341,106 @@
       </p:sp>
       <p:sp>
         <p:nvSpPr>
-          <p:cNvPr id="95" name="Google Shape;95;g73b2e0a105_0_34:notes"/>
+          <p:cNvPr id="95" name="Google Shape;95;g73b2e0a105_0_26:notes"/>
+          <p:cNvSpPr txBox="1"/>
+          <p:nvPr>
+            <p:ph idx="1" type="body"/>
+          </p:nvPr>
+        </p:nvSpPr>
+        <p:spPr>
+          <a:xfrm>
+            <a:off x="685800" y="4343400"/>
+            <a:ext cx="5486400" cy="4114800"/>
+          </a:xfrm>
+          <a:prstGeom prst="rect">
+            <a:avLst/>
+          </a:prstGeom>
+        </p:spPr>
+        <p:txBody>
+          <a:bodyPr anchorCtr="0" anchor="t" bIns="91425" lIns="91425" spcFirstLastPara="1" rIns="91425" wrap="square" tIns="91425">
+            <a:noAutofit/>
+          </a:bodyPr>
+          <a:lstStyle/>
+          <a:p>
+            <a:pPr indent="0" lvl="0" marL="0" rtl="0" algn="l">
+              <a:spcBef>
+                <a:spcPts val="0"/>
+              </a:spcBef>
+              <a:spcAft>
+                <a:spcPts val="0"/>
+              </a:spcAft>
+              <a:buNone/>
+            </a:pPr>
+            <a:r>
+              <a:t/>
+            </a:r>
+            <a:endParaRPr/>
+          </a:p>
+        </p:txBody>
+      </p:sp>
+    </p:spTree>
+  </p:cSld>
+  <p:clrMapOvr>
+    <a:masterClrMapping/>
+  </p:clrMapOvr>
+</p:notes>
+</file>
+
+<file path=ppt/notesSlides/notesSlide8.xml><?xml version="1.0" encoding="utf-8"?>
+<p:notes xmlns:a="http://schemas.openxmlformats.org/drawingml/2006/main" xmlns:r="http://schemas.openxmlformats.org/officeDocument/2006/relationships" xmlns:mc="http://schemas.openxmlformats.org/markup-compatibility/2006" xmlns:mv="urn:schemas-microsoft-com:mac:vml" xmlns:p="http://schemas.openxmlformats.org/presentationml/2006/main" xmlns:c="http://schemas.openxmlformats.org/drawingml/2006/chart" xmlns:dgm="http://schemas.openxmlformats.org/drawingml/2006/diagram" xmlns:o="urn:schemas-microsoft-com:office:office" xmlns:v="urn:schemas-microsoft-com:vml" xmlns:pvml="urn:schemas-microsoft-com:office:powerpoint" xmlns:com="http://schemas.openxmlformats.org/drawingml/2006/compatibility" xmlns:p14="http://schemas.microsoft.com/office/powerpoint/2010/main" xmlns:p15="http://schemas.microsoft.com/office/powerpoint/2012/main" showMasterPhAnim="0" showMasterSp="0">
+  <p:cSld>
+    <p:spTree>
+      <p:nvGrpSpPr>
+        <p:cNvPr id="101" name="Shape 101"/>
+        <p:cNvGrpSpPr/>
+        <p:nvPr/>
+      </p:nvGrpSpPr>
+      <p:grpSpPr>
+        <a:xfrm>
+          <a:off x="0" y="0"/>
+          <a:ext cx="0" cy="0"/>
+          <a:chOff x="0" y="0"/>
+          <a:chExt cx="0" cy="0"/>
+        </a:xfrm>
+      </p:grpSpPr>
+      <p:sp>
+        <p:nvSpPr>
+          <p:cNvPr id="102" name="Google Shape;102;g73b2e0a105_0_34:notes"/>
+          <p:cNvSpPr/>
+          <p:nvPr>
+            <p:ph idx="2" type="sldImg"/>
+          </p:nvPr>
+        </p:nvSpPr>
+        <p:spPr>
+          <a:xfrm>
+            <a:off x="381300" y="685800"/>
+            <a:ext cx="6096000" cy="3429000"/>
+          </a:xfrm>
+          <a:custGeom>
+            <a:rect b="b" l="l" r="r" t="t"/>
+            <a:pathLst>
+              <a:path extrusionOk="0" h="120000" w="120000">
+                <a:moveTo>
+                  <a:pt x="0" y="0"/>
+                </a:moveTo>
+                <a:lnTo>
+                  <a:pt x="120000" y="0"/>
+                </a:lnTo>
+                <a:lnTo>
+                  <a:pt x="120000" y="120000"/>
+                </a:lnTo>
+                <a:lnTo>
+                  <a:pt x="0" y="120000"/>
+                </a:lnTo>
+                <a:close/>
+              </a:path>
+            </a:pathLst>
+          </a:custGeom>
+        </p:spPr>
+      </p:sp>
+      <p:sp>
+        <p:nvSpPr>
+          <p:cNvPr id="103" name="Google Shape;103;g73b2e0a105_0_34:notes"/>
           <p:cNvSpPr txBox="1"/>
           <p:nvPr>
             <p:ph idx="1" type="body"/>
@@ -6207,7 +6307,7 @@
         <p:spPr>
           <a:xfrm>
             <a:off x="311700" y="1152475"/>
-            <a:ext cx="8520600" cy="3416400"/>
+            <a:ext cx="8520600" cy="1749000"/>
           </a:xfrm>
           <a:prstGeom prst="rect">
             <a:avLst/>
@@ -6266,7 +6366,7 @@
             </a:pPr>
             <a:r>
               <a:rPr lang="en"/>
-              <a:t>New branches allow us to work on tasks in a separate workspace</a:t>
+              <a:t>Snapshot at each commit point</a:t>
             </a:r>
             <a:endParaRPr/>
           </a:p>
@@ -6276,62 +6376,45 @@
                 <a:spcPts val="1600"/>
               </a:spcBef>
               <a:spcAft>
-                <a:spcPts val="0"/>
+                <a:spcPts val="1600"/>
               </a:spcAft>
               <a:buNone/>
             </a:pPr>
             <a:r>
-              <a:rPr lang="en"/>
-              <a:t>These are called </a:t>
-            </a:r>
-            <a:r>
-              <a:rPr i="1" lang="en"/>
-              <a:t>feature </a:t>
-            </a:r>
-            <a:r>
-              <a:rPr lang="en"/>
-              <a:t>branches</a:t>
-            </a:r>
-            <a:endParaRPr/>
-          </a:p>
-          <a:p>
-            <a:pPr indent="0" lvl="0" marL="0" rtl="0" algn="l">
-              <a:spcBef>
-                <a:spcPts val="1600"/>
-              </a:spcBef>
-              <a:spcAft>
-                <a:spcPts val="0"/>
-              </a:spcAft>
-              <a:buNone/>
-            </a:pPr>
-            <a:r>
-              <a:rPr lang="en"/>
-              <a:t>Feature branches can be discarded</a:t>
-            </a:r>
-            <a:endParaRPr/>
-          </a:p>
-          <a:p>
-            <a:pPr indent="0" lvl="0" marL="0" rtl="0" algn="l">
-              <a:spcBef>
-                <a:spcPts val="1600"/>
-              </a:spcBef>
-              <a:spcAft>
-                <a:spcPts val="1600"/>
-              </a:spcAft>
-              <a:buNone/>
-            </a:pPr>
-            <a:r>
-              <a:rPr lang="en"/>
-              <a:t>Feature branches can be merged back into </a:t>
-            </a:r>
-            <a:r>
-              <a:rPr i="1" lang="en"/>
-              <a:t>master</a:t>
+              <a:t/>
             </a:r>
             <a:endParaRPr i="1"/>
           </a:p>
         </p:txBody>
       </p:sp>
+      <p:pic>
+        <p:nvPicPr>
+          <p:cNvPr id="62" name="Google Shape;62;p14"/>
+          <p:cNvPicPr preferRelativeResize="0"/>
+          <p:nvPr/>
+        </p:nvPicPr>
+        <p:blipFill>
+          <a:blip r:embed="rId3">
+            <a:alphaModFix/>
+          </a:blip>
+          <a:stretch>
+            <a:fillRect/>
+          </a:stretch>
+        </p:blipFill>
+        <p:spPr>
+          <a:xfrm>
+            <a:off x="373725" y="3319947"/>
+            <a:ext cx="6623350" cy="795925"/>
+          </a:xfrm>
+          <a:prstGeom prst="rect">
+            <a:avLst/>
+          </a:prstGeom>
+          <a:noFill/>
+          <a:ln>
+            <a:noFill/>
+          </a:ln>
+        </p:spPr>
+      </p:pic>
     </p:spTree>
   </p:cSld>
   <p:clrMapOvr>
@@ -6345,7 +6428,7 @@
   <p:cSld>
     <p:spTree>
       <p:nvGrpSpPr>
-        <p:cNvPr id="65" name="Shape 65"/>
+        <p:cNvPr id="66" name="Shape 66"/>
         <p:cNvGrpSpPr/>
         <p:nvPr/>
       </p:nvGrpSpPr>
@@ -6359,7 +6442,7 @@
       </p:grpSpPr>
       <p:sp>
         <p:nvSpPr>
-          <p:cNvPr id="66" name="Google Shape;66;p15"/>
+          <p:cNvPr id="67" name="Google Shape;67;p15"/>
           <p:cNvSpPr txBox="1"/>
           <p:nvPr>
             <p:ph type="title"/>
@@ -6391,6 +6474,208 @@
             </a:pPr>
             <a:r>
               <a:rPr lang="en"/>
+              <a:t>Feature Branches</a:t>
+            </a:r>
+            <a:endParaRPr/>
+          </a:p>
+        </p:txBody>
+      </p:sp>
+      <p:sp>
+        <p:nvSpPr>
+          <p:cNvPr id="68" name="Google Shape;68;p15"/>
+          <p:cNvSpPr txBox="1"/>
+          <p:nvPr>
+            <p:ph idx="1" type="body"/>
+          </p:nvPr>
+        </p:nvSpPr>
+        <p:spPr>
+          <a:xfrm>
+            <a:off x="311700" y="1087375"/>
+            <a:ext cx="8520600" cy="1484400"/>
+          </a:xfrm>
+          <a:prstGeom prst="rect">
+            <a:avLst/>
+          </a:prstGeom>
+        </p:spPr>
+        <p:txBody>
+          <a:bodyPr anchorCtr="0" anchor="t" bIns="91425" lIns="91425" spcFirstLastPara="1" rIns="91425" wrap="square" tIns="91425">
+            <a:noAutofit/>
+          </a:bodyPr>
+          <a:lstStyle/>
+          <a:p>
+            <a:pPr indent="0" lvl="0" marL="0" rtl="0" algn="l">
+              <a:spcBef>
+                <a:spcPts val="0"/>
+              </a:spcBef>
+              <a:spcAft>
+                <a:spcPts val="0"/>
+              </a:spcAft>
+              <a:buNone/>
+            </a:pPr>
+            <a:r>
+              <a:rPr lang="en"/>
+              <a:t>New branches allow us to work on tasks in a separate workspace</a:t>
+            </a:r>
+            <a:endParaRPr/>
+          </a:p>
+          <a:p>
+            <a:pPr indent="0" lvl="0" marL="0" rtl="0" algn="l">
+              <a:spcBef>
+                <a:spcPts val="1600"/>
+              </a:spcBef>
+              <a:spcAft>
+                <a:spcPts val="0"/>
+              </a:spcAft>
+              <a:buClr>
+                <a:schemeClr val="dk1"/>
+              </a:buClr>
+              <a:buSzPts val="1100"/>
+              <a:buFont typeface="Arial"/>
+              <a:buNone/>
+            </a:pPr>
+            <a:r>
+              <a:rPr lang="en"/>
+              <a:t>These are called </a:t>
+            </a:r>
+            <a:r>
+              <a:rPr i="1" lang="en"/>
+              <a:t>feature </a:t>
+            </a:r>
+            <a:r>
+              <a:rPr lang="en"/>
+              <a:t>branches</a:t>
+            </a:r>
+            <a:endParaRPr/>
+          </a:p>
+          <a:p>
+            <a:pPr indent="0" lvl="0" marL="0" rtl="0" algn="l">
+              <a:spcBef>
+                <a:spcPts val="1600"/>
+              </a:spcBef>
+              <a:spcAft>
+                <a:spcPts val="0"/>
+              </a:spcAft>
+              <a:buClr>
+                <a:schemeClr val="dk1"/>
+              </a:buClr>
+              <a:buSzPts val="1100"/>
+              <a:buFont typeface="Arial"/>
+              <a:buNone/>
+            </a:pPr>
+            <a:r>
+              <a:rPr lang="en"/>
+              <a:t>Feature branches can be merged back into </a:t>
+            </a:r>
+            <a:r>
+              <a:rPr i="1" lang="en"/>
+              <a:t>master</a:t>
+            </a:r>
+            <a:endParaRPr i="1"/>
+          </a:p>
+          <a:p>
+            <a:pPr indent="0" lvl="0" marL="0" rtl="0" algn="l">
+              <a:spcBef>
+                <a:spcPts val="1600"/>
+              </a:spcBef>
+              <a:spcAft>
+                <a:spcPts val="1600"/>
+              </a:spcAft>
+              <a:buNone/>
+            </a:pPr>
+            <a:r>
+              <a:t/>
+            </a:r>
+            <a:endParaRPr/>
+          </a:p>
+        </p:txBody>
+      </p:sp>
+      <p:pic>
+        <p:nvPicPr>
+          <p:cNvPr id="69" name="Google Shape;69;p15"/>
+          <p:cNvPicPr preferRelativeResize="0"/>
+          <p:nvPr/>
+        </p:nvPicPr>
+        <p:blipFill>
+          <a:blip r:embed="rId3">
+            <a:alphaModFix/>
+          </a:blip>
+          <a:stretch>
+            <a:fillRect/>
+          </a:stretch>
+        </p:blipFill>
+        <p:spPr>
+          <a:xfrm>
+            <a:off x="413775" y="2718450"/>
+            <a:ext cx="5542849" cy="1909475"/>
+          </a:xfrm>
+          <a:prstGeom prst="rect">
+            <a:avLst/>
+          </a:prstGeom>
+          <a:noFill/>
+          <a:ln>
+            <a:noFill/>
+          </a:ln>
+        </p:spPr>
+      </p:pic>
+    </p:spTree>
+  </p:cSld>
+  <p:clrMapOvr>
+    <a:masterClrMapping/>
+  </p:clrMapOvr>
+</p:sld>
+</file>
+
+<file path=ppt/slides/slide4.xml><?xml version="1.0" encoding="utf-8"?>
+<p:sld xmlns:a="http://schemas.openxmlformats.org/drawingml/2006/main" xmlns:r="http://schemas.openxmlformats.org/officeDocument/2006/relationships" xmlns:mc="http://schemas.openxmlformats.org/markup-compatibility/2006" xmlns:mv="urn:schemas-microsoft-com:mac:vml" xmlns:p="http://schemas.openxmlformats.org/presentationml/2006/main" xmlns:c="http://schemas.openxmlformats.org/drawingml/2006/chart" xmlns:dgm="http://schemas.openxmlformats.org/drawingml/2006/diagram" xmlns:o="urn:schemas-microsoft-com:office:office" xmlns:v="urn:schemas-microsoft-com:vml" xmlns:pvml="urn:schemas-microsoft-com:office:powerpoint" xmlns:com="http://schemas.openxmlformats.org/drawingml/2006/compatibility" xmlns:p14="http://schemas.microsoft.com/office/powerpoint/2010/main" xmlns:p15="http://schemas.microsoft.com/office/powerpoint/2012/main">
+  <p:cSld>
+    <p:spTree>
+      <p:nvGrpSpPr>
+        <p:cNvPr id="73" name="Shape 73"/>
+        <p:cNvGrpSpPr/>
+        <p:nvPr/>
+      </p:nvGrpSpPr>
+      <p:grpSpPr>
+        <a:xfrm>
+          <a:off x="0" y="0"/>
+          <a:ext cx="0" cy="0"/>
+          <a:chOff x="0" y="0"/>
+          <a:chExt cx="0" cy="0"/>
+        </a:xfrm>
+      </p:grpSpPr>
+      <p:sp>
+        <p:nvSpPr>
+          <p:cNvPr id="74" name="Google Shape;74;p16"/>
+          <p:cNvSpPr txBox="1"/>
+          <p:nvPr>
+            <p:ph type="title"/>
+          </p:nvPr>
+        </p:nvSpPr>
+        <p:spPr>
+          <a:xfrm>
+            <a:off x="311700" y="445025"/>
+            <a:ext cx="8520600" cy="572700"/>
+          </a:xfrm>
+          <a:prstGeom prst="rect">
+            <a:avLst/>
+          </a:prstGeom>
+        </p:spPr>
+        <p:txBody>
+          <a:bodyPr anchorCtr="0" anchor="t" bIns="91425" lIns="91425" spcFirstLastPara="1" rIns="91425" wrap="square" tIns="91425">
+            <a:noAutofit/>
+          </a:bodyPr>
+          <a:lstStyle/>
+          <a:p>
+            <a:pPr indent="0" lvl="0" marL="0" rtl="0" algn="l">
+              <a:spcBef>
+                <a:spcPts val="0"/>
+              </a:spcBef>
+              <a:spcAft>
+                <a:spcPts val="0"/>
+              </a:spcAft>
+              <a:buNone/>
+            </a:pPr>
+            <a:r>
+              <a:rPr lang="en"/>
               <a:t>Creating a branch</a:t>
             </a:r>
             <a:endParaRPr/>
@@ -6399,7 +6684,7 @@
       </p:sp>
       <p:sp>
         <p:nvSpPr>
-          <p:cNvPr id="67" name="Google Shape;67;p15"/>
+          <p:cNvPr id="75" name="Google Shape;75;p16"/>
           <p:cNvSpPr txBox="1"/>
           <p:nvPr>
             <p:ph idx="1" type="body"/>
@@ -6512,7 +6797,7 @@
       </p:sp>
       <p:pic>
         <p:nvPicPr>
-          <p:cNvPr id="68" name="Google Shape;68;p15"/>
+          <p:cNvPr id="76" name="Google Shape;76;p16"/>
           <p:cNvPicPr preferRelativeResize="0"/>
           <p:nvPr/>
         </p:nvPicPr>
@@ -6540,7 +6825,7 @@
       </p:pic>
       <p:pic>
         <p:nvPicPr>
-          <p:cNvPr id="69" name="Google Shape;69;p15"/>
+          <p:cNvPr id="77" name="Google Shape;77;p16"/>
           <p:cNvPicPr preferRelativeResize="0"/>
           <p:nvPr/>
         </p:nvPicPr>
@@ -6568,7 +6853,7 @@
       </p:pic>
       <p:pic>
         <p:nvPicPr>
-          <p:cNvPr id="70" name="Google Shape;70;p15"/>
+          <p:cNvPr id="78" name="Google Shape;78;p16"/>
           <p:cNvPicPr preferRelativeResize="0"/>
           <p:nvPr/>
         </p:nvPicPr>
@@ -6602,12 +6887,12 @@
 </p:sld>
 </file>
 
-<file path=ppt/slides/slide4.xml><?xml version="1.0" encoding="utf-8"?>
+<file path=ppt/slides/slide5.xml><?xml version="1.0" encoding="utf-8"?>
 <p:sld xmlns:a="http://schemas.openxmlformats.org/drawingml/2006/main" xmlns:r="http://schemas.openxmlformats.org/officeDocument/2006/relationships" xmlns:mc="http://schemas.openxmlformats.org/markup-compatibility/2006" xmlns:mv="urn:schemas-microsoft-com:mac:vml" xmlns:p="http://schemas.openxmlformats.org/presentationml/2006/main" xmlns:c="http://schemas.openxmlformats.org/drawingml/2006/chart" xmlns:dgm="http://schemas.openxmlformats.org/drawingml/2006/diagram" xmlns:o="urn:schemas-microsoft-com:office:office" xmlns:v="urn:schemas-microsoft-com:vml" xmlns:pvml="urn:schemas-microsoft-com:office:powerpoint" xmlns:com="http://schemas.openxmlformats.org/drawingml/2006/compatibility" xmlns:p14="http://schemas.microsoft.com/office/powerpoint/2010/main" xmlns:p15="http://schemas.microsoft.com/office/powerpoint/2012/main">
   <p:cSld>
     <p:spTree>
       <p:nvGrpSpPr>
-        <p:cNvPr id="74" name="Shape 74"/>
+        <p:cNvPr id="82" name="Shape 82"/>
         <p:cNvGrpSpPr/>
         <p:nvPr/>
       </p:nvGrpSpPr>
@@ -6621,7 +6906,7 @@
       </p:grpSpPr>
       <p:sp>
         <p:nvSpPr>
-          <p:cNvPr id="75" name="Google Shape;75;p16"/>
+          <p:cNvPr id="83" name="Google Shape;83;p17"/>
           <p:cNvSpPr txBox="1"/>
           <p:nvPr>
             <p:ph type="title"/>
@@ -6661,7 +6946,7 @@
       </p:sp>
       <p:sp>
         <p:nvSpPr>
-          <p:cNvPr id="76" name="Google Shape;76;p16"/>
+          <p:cNvPr id="84" name="Google Shape;84;p17"/>
           <p:cNvSpPr txBox="1"/>
           <p:nvPr>
             <p:ph idx="1" type="body"/>
@@ -6789,7 +7074,7 @@
       </p:sp>
       <p:pic>
         <p:nvPicPr>
-          <p:cNvPr id="77" name="Google Shape;77;p16"/>
+          <p:cNvPr id="85" name="Google Shape;85;p17"/>
           <p:cNvPicPr preferRelativeResize="0"/>
           <p:nvPr/>
         </p:nvPicPr>
@@ -6823,12 +7108,12 @@
 </p:sld>
 </file>
 
-<file path=ppt/slides/slide5.xml><?xml version="1.0" encoding="utf-8"?>
+<file path=ppt/slides/slide6.xml><?xml version="1.0" encoding="utf-8"?>
 <p:sld xmlns:a="http://schemas.openxmlformats.org/drawingml/2006/main" xmlns:r="http://schemas.openxmlformats.org/officeDocument/2006/relationships" xmlns:mc="http://schemas.openxmlformats.org/markup-compatibility/2006" xmlns:mv="urn:schemas-microsoft-com:mac:vml" xmlns:p="http://schemas.openxmlformats.org/presentationml/2006/main" xmlns:c="http://schemas.openxmlformats.org/drawingml/2006/chart" xmlns:dgm="http://schemas.openxmlformats.org/drawingml/2006/diagram" xmlns:o="urn:schemas-microsoft-com:office:office" xmlns:v="urn:schemas-microsoft-com:vml" xmlns:pvml="urn:schemas-microsoft-com:office:powerpoint" xmlns:com="http://schemas.openxmlformats.org/drawingml/2006/compatibility" xmlns:p14="http://schemas.microsoft.com/office/powerpoint/2010/main" xmlns:p15="http://schemas.microsoft.com/office/powerpoint/2012/main">
   <p:cSld>
     <p:spTree>
       <p:nvGrpSpPr>
-        <p:cNvPr id="81" name="Shape 81"/>
+        <p:cNvPr id="89" name="Shape 89"/>
         <p:cNvGrpSpPr/>
         <p:nvPr/>
       </p:nvGrpSpPr>
@@ -6842,7 +7127,7 @@
       </p:grpSpPr>
       <p:sp>
         <p:nvSpPr>
-          <p:cNvPr id="82" name="Google Shape;82;p17"/>
+          <p:cNvPr id="90" name="Google Shape;90;p18"/>
           <p:cNvSpPr txBox="1"/>
           <p:nvPr>
             <p:ph type="title"/>
@@ -6882,7 +7167,7 @@
       </p:sp>
       <p:sp>
         <p:nvSpPr>
-          <p:cNvPr id="83" name="Google Shape;83;p17"/>
+          <p:cNvPr id="91" name="Google Shape;91;p18"/>
           <p:cNvSpPr txBox="1"/>
           <p:nvPr>
             <p:ph idx="1" type="body"/>
@@ -6941,7 +7226,7 @@
       </p:sp>
       <p:pic>
         <p:nvPicPr>
-          <p:cNvPr id="84" name="Google Shape;84;p17"/>
+          <p:cNvPr id="92" name="Google Shape;92;p18"/>
           <p:cNvPicPr preferRelativeResize="0"/>
           <p:nvPr/>
         </p:nvPicPr>
@@ -6957,270 +7242,6 @@
           <a:xfrm>
             <a:off x="431100" y="1782102"/>
             <a:ext cx="6310950" cy="2786775"/>
-          </a:xfrm>
-          <a:prstGeom prst="rect">
-            <a:avLst/>
-          </a:prstGeom>
-          <a:noFill/>
-          <a:ln>
-            <a:noFill/>
-          </a:ln>
-        </p:spPr>
-      </p:pic>
-    </p:spTree>
-  </p:cSld>
-  <p:clrMapOvr>
-    <a:masterClrMapping/>
-  </p:clrMapOvr>
-</p:sld>
-</file>
-
-<file path=ppt/slides/slide6.xml><?xml version="1.0" encoding="utf-8"?>
-<p:sld xmlns:a="http://schemas.openxmlformats.org/drawingml/2006/main" xmlns:r="http://schemas.openxmlformats.org/officeDocument/2006/relationships" xmlns:mc="http://schemas.openxmlformats.org/markup-compatibility/2006" xmlns:mv="urn:schemas-microsoft-com:mac:vml" xmlns:p="http://schemas.openxmlformats.org/presentationml/2006/main" xmlns:c="http://schemas.openxmlformats.org/drawingml/2006/chart" xmlns:dgm="http://schemas.openxmlformats.org/drawingml/2006/diagram" xmlns:o="urn:schemas-microsoft-com:office:office" xmlns:v="urn:schemas-microsoft-com:vml" xmlns:pvml="urn:schemas-microsoft-com:office:powerpoint" xmlns:com="http://schemas.openxmlformats.org/drawingml/2006/compatibility" xmlns:p14="http://schemas.microsoft.com/office/powerpoint/2010/main" xmlns:p15="http://schemas.microsoft.com/office/powerpoint/2012/main">
-  <p:cSld>
-    <p:spTree>
-      <p:nvGrpSpPr>
-        <p:cNvPr id="88" name="Shape 88"/>
-        <p:cNvGrpSpPr/>
-        <p:nvPr/>
-      </p:nvGrpSpPr>
-      <p:grpSpPr>
-        <a:xfrm>
-          <a:off x="0" y="0"/>
-          <a:ext cx="0" cy="0"/>
-          <a:chOff x="0" y="0"/>
-          <a:chExt cx="0" cy="0"/>
-        </a:xfrm>
-      </p:grpSpPr>
-      <p:sp>
-        <p:nvSpPr>
-          <p:cNvPr id="89" name="Google Shape;89;p18"/>
-          <p:cNvSpPr txBox="1"/>
-          <p:nvPr>
-            <p:ph type="title"/>
-          </p:nvPr>
-        </p:nvSpPr>
-        <p:spPr>
-          <a:xfrm>
-            <a:off x="311700" y="445025"/>
-            <a:ext cx="8520600" cy="572700"/>
-          </a:xfrm>
-          <a:prstGeom prst="rect">
-            <a:avLst/>
-          </a:prstGeom>
-        </p:spPr>
-        <p:txBody>
-          <a:bodyPr anchorCtr="0" anchor="t" bIns="91425" lIns="91425" spcFirstLastPara="1" rIns="91425" wrap="square" tIns="91425">
-            <a:noAutofit/>
-          </a:bodyPr>
-          <a:lstStyle/>
-          <a:p>
-            <a:pPr indent="0" lvl="0" marL="0" rtl="0" algn="l">
-              <a:spcBef>
-                <a:spcPts val="0"/>
-              </a:spcBef>
-              <a:spcAft>
-                <a:spcPts val="0"/>
-              </a:spcAft>
-              <a:buNone/>
-            </a:pPr>
-            <a:r>
-              <a:rPr lang="en"/>
-              <a:t>Git log</a:t>
-            </a:r>
-            <a:endParaRPr/>
-          </a:p>
-        </p:txBody>
-      </p:sp>
-      <p:sp>
-        <p:nvSpPr>
-          <p:cNvPr id="90" name="Google Shape;90;p18"/>
-          <p:cNvSpPr txBox="1"/>
-          <p:nvPr>
-            <p:ph idx="1" type="body"/>
-          </p:nvPr>
-        </p:nvSpPr>
-        <p:spPr>
-          <a:xfrm>
-            <a:off x="311700" y="1152475"/>
-            <a:ext cx="8520600" cy="3416400"/>
-          </a:xfrm>
-          <a:prstGeom prst="rect">
-            <a:avLst/>
-          </a:prstGeom>
-        </p:spPr>
-        <p:txBody>
-          <a:bodyPr anchorCtr="0" anchor="t" bIns="91425" lIns="91425" spcFirstLastPara="1" rIns="91425" wrap="square" tIns="91425">
-            <a:noAutofit/>
-          </a:bodyPr>
-          <a:lstStyle/>
-          <a:p>
-            <a:pPr indent="0" lvl="0" marL="0" rtl="0" algn="l">
-              <a:spcBef>
-                <a:spcPts val="0"/>
-              </a:spcBef>
-              <a:spcAft>
-                <a:spcPts val="0"/>
-              </a:spcAft>
-              <a:buNone/>
-            </a:pPr>
-            <a:r>
-              <a:rPr lang="en"/>
-              <a:t>Use command </a:t>
-            </a:r>
-            <a:r>
-              <a:rPr b="1" lang="en"/>
-              <a:t>git log </a:t>
-            </a:r>
-            <a:r>
-              <a:rPr lang="en"/>
-              <a:t>to view changes</a:t>
-            </a:r>
-            <a:endParaRPr/>
-          </a:p>
-          <a:p>
-            <a:pPr indent="0" lvl="0" marL="0" rtl="0" algn="l">
-              <a:spcBef>
-                <a:spcPts val="1600"/>
-              </a:spcBef>
-              <a:spcAft>
-                <a:spcPts val="0"/>
-              </a:spcAft>
-              <a:buNone/>
-            </a:pPr>
-            <a:r>
-              <a:t/>
-            </a:r>
-            <a:endParaRPr/>
-          </a:p>
-          <a:p>
-            <a:pPr indent="0" lvl="0" marL="0" rtl="0" algn="l">
-              <a:spcBef>
-                <a:spcPts val="1600"/>
-              </a:spcBef>
-              <a:spcAft>
-                <a:spcPts val="0"/>
-              </a:spcAft>
-              <a:buNone/>
-            </a:pPr>
-            <a:r>
-              <a:t/>
-            </a:r>
-            <a:endParaRPr/>
-          </a:p>
-          <a:p>
-            <a:pPr indent="0" lvl="0" marL="0" rtl="0" algn="l">
-              <a:spcBef>
-                <a:spcPts val="1600"/>
-              </a:spcBef>
-              <a:spcAft>
-                <a:spcPts val="0"/>
-              </a:spcAft>
-              <a:buNone/>
-            </a:pPr>
-            <a:r>
-              <a:t/>
-            </a:r>
-            <a:endParaRPr/>
-          </a:p>
-          <a:p>
-            <a:pPr indent="0" lvl="0" marL="0" rtl="0" algn="l">
-              <a:spcBef>
-                <a:spcPts val="1600"/>
-              </a:spcBef>
-              <a:spcAft>
-                <a:spcPts val="0"/>
-              </a:spcAft>
-              <a:buNone/>
-            </a:pPr>
-            <a:r>
-              <a:rPr lang="en"/>
-              <a:t>Feature/header can be deleted: </a:t>
-            </a:r>
-            <a:r>
-              <a:rPr b="1" lang="en"/>
-              <a:t>git branch -d &lt;branchname&gt;</a:t>
-            </a:r>
-            <a:endParaRPr b="1"/>
-          </a:p>
-          <a:p>
-            <a:pPr indent="0" lvl="0" marL="0" rtl="0" algn="l">
-              <a:spcBef>
-                <a:spcPts val="1600"/>
-              </a:spcBef>
-              <a:spcAft>
-                <a:spcPts val="0"/>
-              </a:spcAft>
-              <a:buNone/>
-            </a:pPr>
-            <a:r>
-              <a:t/>
-            </a:r>
-            <a:endParaRPr/>
-          </a:p>
-          <a:p>
-            <a:pPr indent="0" lvl="0" marL="0" rtl="0" algn="l">
-              <a:spcBef>
-                <a:spcPts val="1600"/>
-              </a:spcBef>
-              <a:spcAft>
-                <a:spcPts val="1600"/>
-              </a:spcAft>
-              <a:buNone/>
-            </a:pPr>
-            <a:r>
-              <a:t/>
-            </a:r>
-            <a:endParaRPr/>
-          </a:p>
-        </p:txBody>
-      </p:sp>
-      <p:pic>
-        <p:nvPicPr>
-          <p:cNvPr id="91" name="Google Shape;91;p18"/>
-          <p:cNvPicPr preferRelativeResize="0"/>
-          <p:nvPr/>
-        </p:nvPicPr>
-        <p:blipFill>
-          <a:blip r:embed="rId3">
-            <a:alphaModFix/>
-          </a:blip>
-          <a:stretch>
-            <a:fillRect/>
-          </a:stretch>
-        </p:blipFill>
-        <p:spPr>
-          <a:xfrm>
-            <a:off x="423675" y="1804151"/>
-            <a:ext cx="5600500" cy="1087375"/>
-          </a:xfrm>
-          <a:prstGeom prst="rect">
-            <a:avLst/>
-          </a:prstGeom>
-          <a:noFill/>
-          <a:ln>
-            <a:noFill/>
-          </a:ln>
-        </p:spPr>
-      </p:pic>
-      <p:pic>
-        <p:nvPicPr>
-          <p:cNvPr id="92" name="Google Shape;92;p18"/>
-          <p:cNvPicPr preferRelativeResize="0"/>
-          <p:nvPr/>
-        </p:nvPicPr>
-        <p:blipFill>
-          <a:blip r:embed="rId4">
-            <a:alphaModFix/>
-          </a:blip>
-          <a:stretch>
-            <a:fillRect/>
-          </a:stretch>
-        </p:blipFill>
-        <p:spPr>
-          <a:xfrm>
-            <a:off x="423675" y="3917850"/>
-            <a:ext cx="4529414" cy="572700"/>
           </a:xfrm>
           <a:prstGeom prst="rect">
             <a:avLst/>
@@ -7256,9 +7277,192 @@
           <a:chExt cx="0" cy="0"/>
         </a:xfrm>
       </p:grpSpPr>
+      <p:sp>
+        <p:nvSpPr>
+          <p:cNvPr id="97" name="Google Shape;97;p19"/>
+          <p:cNvSpPr txBox="1"/>
+          <p:nvPr>
+            <p:ph type="title"/>
+          </p:nvPr>
+        </p:nvSpPr>
+        <p:spPr>
+          <a:xfrm>
+            <a:off x="311700" y="445025"/>
+            <a:ext cx="8520600" cy="572700"/>
+          </a:xfrm>
+          <a:prstGeom prst="rect">
+            <a:avLst/>
+          </a:prstGeom>
+        </p:spPr>
+        <p:txBody>
+          <a:bodyPr anchorCtr="0" anchor="t" bIns="91425" lIns="91425" spcFirstLastPara="1" rIns="91425" wrap="square" tIns="91425">
+            <a:noAutofit/>
+          </a:bodyPr>
+          <a:lstStyle/>
+          <a:p>
+            <a:pPr indent="0" lvl="0" marL="0" rtl="0" algn="l">
+              <a:spcBef>
+                <a:spcPts val="0"/>
+              </a:spcBef>
+              <a:spcAft>
+                <a:spcPts val="0"/>
+              </a:spcAft>
+              <a:buNone/>
+            </a:pPr>
+            <a:r>
+              <a:rPr lang="en"/>
+              <a:t>Git log</a:t>
+            </a:r>
+            <a:endParaRPr/>
+          </a:p>
+        </p:txBody>
+      </p:sp>
+      <p:sp>
+        <p:nvSpPr>
+          <p:cNvPr id="98" name="Google Shape;98;p19"/>
+          <p:cNvSpPr txBox="1"/>
+          <p:nvPr>
+            <p:ph idx="1" type="body"/>
+          </p:nvPr>
+        </p:nvSpPr>
+        <p:spPr>
+          <a:xfrm>
+            <a:off x="311700" y="1152475"/>
+            <a:ext cx="8520600" cy="3416400"/>
+          </a:xfrm>
+          <a:prstGeom prst="rect">
+            <a:avLst/>
+          </a:prstGeom>
+        </p:spPr>
+        <p:txBody>
+          <a:bodyPr anchorCtr="0" anchor="t" bIns="91425" lIns="91425" spcFirstLastPara="1" rIns="91425" wrap="square" tIns="91425">
+            <a:noAutofit/>
+          </a:bodyPr>
+          <a:lstStyle/>
+          <a:p>
+            <a:pPr indent="0" lvl="0" marL="0" rtl="0" algn="l">
+              <a:spcBef>
+                <a:spcPts val="0"/>
+              </a:spcBef>
+              <a:spcAft>
+                <a:spcPts val="0"/>
+              </a:spcAft>
+              <a:buNone/>
+            </a:pPr>
+            <a:r>
+              <a:rPr lang="en"/>
+              <a:t>Use command </a:t>
+            </a:r>
+            <a:r>
+              <a:rPr b="1" lang="en"/>
+              <a:t>git log </a:t>
+            </a:r>
+            <a:r>
+              <a:rPr lang="en"/>
+              <a:t>to view changes</a:t>
+            </a:r>
+            <a:endParaRPr/>
+          </a:p>
+          <a:p>
+            <a:pPr indent="0" lvl="0" marL="0" rtl="0" algn="l">
+              <a:spcBef>
+                <a:spcPts val="1600"/>
+              </a:spcBef>
+              <a:spcAft>
+                <a:spcPts val="0"/>
+              </a:spcAft>
+              <a:buNone/>
+            </a:pPr>
+            <a:r>
+              <a:t/>
+            </a:r>
+            <a:endParaRPr/>
+          </a:p>
+          <a:p>
+            <a:pPr indent="0" lvl="0" marL="0" rtl="0" algn="l">
+              <a:spcBef>
+                <a:spcPts val="1600"/>
+              </a:spcBef>
+              <a:spcAft>
+                <a:spcPts val="0"/>
+              </a:spcAft>
+              <a:buNone/>
+            </a:pPr>
+            <a:r>
+              <a:t/>
+            </a:r>
+            <a:endParaRPr/>
+          </a:p>
+          <a:p>
+            <a:pPr indent="0" lvl="0" marL="0" rtl="0" algn="l">
+              <a:spcBef>
+                <a:spcPts val="1600"/>
+              </a:spcBef>
+              <a:spcAft>
+                <a:spcPts val="0"/>
+              </a:spcAft>
+              <a:buNone/>
+            </a:pPr>
+            <a:r>
+              <a:t/>
+            </a:r>
+            <a:endParaRPr/>
+          </a:p>
+          <a:p>
+            <a:pPr indent="0" lvl="0" marL="0" rtl="0" algn="l">
+              <a:spcBef>
+                <a:spcPts val="1600"/>
+              </a:spcBef>
+              <a:spcAft>
+                <a:spcPts val="0"/>
+              </a:spcAft>
+              <a:buNone/>
+            </a:pPr>
+            <a:r>
+              <a:rPr lang="en"/>
+              <a:t>Feature/header can be deleted: </a:t>
+            </a:r>
+            <a:r>
+              <a:rPr b="1" lang="en"/>
+              <a:t>git branch -d &lt;branchname&gt;</a:t>
+            </a:r>
+            <a:endParaRPr b="1"/>
+          </a:p>
+          <a:p>
+            <a:pPr indent="0" lvl="0" marL="0" rtl="0" algn="l">
+              <a:spcBef>
+                <a:spcPts val="1600"/>
+              </a:spcBef>
+              <a:spcAft>
+                <a:spcPts val="0"/>
+              </a:spcAft>
+              <a:buNone/>
+            </a:pPr>
+            <a:r>
+              <a:t/>
+            </a:r>
+            <a:endParaRPr/>
+          </a:p>
+          <a:p>
+            <a:pPr indent="0" lvl="0" marL="0" rtl="0" algn="l">
+              <a:spcBef>
+                <a:spcPts val="1600"/>
+              </a:spcBef>
+              <a:spcAft>
+                <a:spcPts val="1600"/>
+              </a:spcAft>
+              <a:buNone/>
+            </a:pPr>
+            <a:r>
+              <a:t/>
+            </a:r>
+            <a:endParaRPr/>
+          </a:p>
+        </p:txBody>
+      </p:sp>
       <p:pic>
         <p:nvPicPr>
-          <p:cNvPr id="97" name="Google Shape;97;p19"/>
+          <p:cNvPr id="99" name="Google Shape;99;p19"/>
           <p:cNvPicPr preferRelativeResize="0"/>
           <p:nvPr/>
         </p:nvPicPr>
@@ -7272,8 +7476,8 @@
         </p:blipFill>
         <p:spPr>
           <a:xfrm>
-            <a:off x="120550" y="1330800"/>
-            <a:ext cx="8839198" cy="3244924"/>
+            <a:off x="423675" y="1804151"/>
+            <a:ext cx="5600500" cy="1087375"/>
           </a:xfrm>
           <a:prstGeom prst="rect">
             <a:avLst/>
@@ -7284,9 +7488,62 @@
           </a:ln>
         </p:spPr>
       </p:pic>
+      <p:pic>
+        <p:nvPicPr>
+          <p:cNvPr id="100" name="Google Shape;100;p19"/>
+          <p:cNvPicPr preferRelativeResize="0"/>
+          <p:nvPr/>
+        </p:nvPicPr>
+        <p:blipFill>
+          <a:blip r:embed="rId4">
+            <a:alphaModFix/>
+          </a:blip>
+          <a:stretch>
+            <a:fillRect/>
+          </a:stretch>
+        </p:blipFill>
+        <p:spPr>
+          <a:xfrm>
+            <a:off x="423675" y="3917850"/>
+            <a:ext cx="4529414" cy="572700"/>
+          </a:xfrm>
+          <a:prstGeom prst="rect">
+            <a:avLst/>
+          </a:prstGeom>
+          <a:noFill/>
+          <a:ln>
+            <a:noFill/>
+          </a:ln>
+        </p:spPr>
+      </p:pic>
+    </p:spTree>
+  </p:cSld>
+  <p:clrMapOvr>
+    <a:masterClrMapping/>
+  </p:clrMapOvr>
+</p:sld>
+</file>
+
+<file path=ppt/slides/slide8.xml><?xml version="1.0" encoding="utf-8"?>
+<p:sld xmlns:a="http://schemas.openxmlformats.org/drawingml/2006/main" xmlns:r="http://schemas.openxmlformats.org/officeDocument/2006/relationships" xmlns:mc="http://schemas.openxmlformats.org/markup-compatibility/2006" xmlns:mv="urn:schemas-microsoft-com:mac:vml" xmlns:p="http://schemas.openxmlformats.org/presentationml/2006/main" xmlns:c="http://schemas.openxmlformats.org/drawingml/2006/chart" xmlns:dgm="http://schemas.openxmlformats.org/drawingml/2006/diagram" xmlns:o="urn:schemas-microsoft-com:office:office" xmlns:v="urn:schemas-microsoft-com:vml" xmlns:pvml="urn:schemas-microsoft-com:office:powerpoint" xmlns:com="http://schemas.openxmlformats.org/drawingml/2006/compatibility" xmlns:p14="http://schemas.microsoft.com/office/powerpoint/2010/main" xmlns:p15="http://schemas.microsoft.com/office/powerpoint/2012/main">
+  <p:cSld>
+    <p:spTree>
+      <p:nvGrpSpPr>
+        <p:cNvPr id="104" name="Shape 104"/>
+        <p:cNvGrpSpPr/>
+        <p:nvPr/>
+      </p:nvGrpSpPr>
+      <p:grpSpPr>
+        <a:xfrm>
+          <a:off x="0" y="0"/>
+          <a:ext cx="0" cy="0"/>
+          <a:chOff x="0" y="0"/>
+          <a:chExt cx="0" cy="0"/>
+        </a:xfrm>
+      </p:grpSpPr>
       <p:sp>
         <p:nvSpPr>
-          <p:cNvPr id="98" name="Google Shape;98;p19"/>
+          <p:cNvPr id="105" name="Google Shape;105;p20"/>
           <p:cNvSpPr txBox="1"/>
           <p:nvPr/>
         </p:nvSpPr>
@@ -7326,6 +7583,34 @@
           </a:p>
         </p:txBody>
       </p:sp>
+      <p:pic>
+        <p:nvPicPr>
+          <p:cNvPr id="106" name="Google Shape;106;p20"/>
+          <p:cNvPicPr preferRelativeResize="0"/>
+          <p:nvPr/>
+        </p:nvPicPr>
+        <p:blipFill>
+          <a:blip r:embed="rId3">
+            <a:alphaModFix/>
+          </a:blip>
+          <a:stretch>
+            <a:fillRect/>
+          </a:stretch>
+        </p:blipFill>
+        <p:spPr>
+          <a:xfrm>
+            <a:off x="710575" y="1389400"/>
+            <a:ext cx="7853951" cy="2883225"/>
+          </a:xfrm>
+          <a:prstGeom prst="rect">
+            <a:avLst/>
+          </a:prstGeom>
+          <a:noFill/>
+          <a:ln>
+            <a:noFill/>
+          </a:ln>
+        </p:spPr>
+      </p:pic>
     </p:spTree>
   </p:cSld>
   <p:clrMapOvr>
@@ -7335,6 +7620,285 @@
 </file>
 
 <file path=ppt/theme/theme1.xml><?xml version="1.0" encoding="utf-8"?>
+<a:theme xmlns:a="http://schemas.openxmlformats.org/drawingml/2006/main" xmlns:r="http://schemas.openxmlformats.org/officeDocument/2006/relationships">
+  <a:themeElements>
+    <a:clrScheme name="Default">
+      <a:dk1>
+        <a:srgbClr val="000000"/>
+      </a:dk1>
+      <a:lt1>
+        <a:srgbClr val="FFFFFF"/>
+      </a:lt1>
+      <a:dk2>
+        <a:srgbClr val="158158"/>
+      </a:dk2>
+      <a:lt2>
+        <a:srgbClr val="F3F3F3"/>
+      </a:lt2>
+      <a:accent1>
+        <a:srgbClr val="058DC7"/>
+      </a:accent1>
+      <a:accent2>
+        <a:srgbClr val="50B432"/>
+      </a:accent2>
+      <a:accent3>
+        <a:srgbClr val="ED561B"/>
+      </a:accent3>
+      <a:accent4>
+        <a:srgbClr val="EDEF00"/>
+      </a:accent4>
+      <a:accent5>
+        <a:srgbClr val="24CBE5"/>
+      </a:accent5>
+      <a:accent6>
+        <a:srgbClr val="64E572"/>
+      </a:accent6>
+      <a:hlink>
+        <a:srgbClr val="2200CC"/>
+      </a:hlink>
+      <a:folHlink>
+        <a:srgbClr val="551A8B"/>
+      </a:folHlink>
+    </a:clrScheme>
+    <a:fontScheme name="Office">
+      <a:majorFont>
+        <a:latin typeface="Arial"/>
+        <a:ea typeface=""/>
+        <a:cs typeface=""/>
+        <a:font script="Jpan" typeface="ＭＳ Ｐゴシック"/>
+        <a:font script="Hang" typeface="맑은 고딕"/>
+        <a:font script="Hans" typeface="宋体"/>
+        <a:font script="Hant" typeface="新細明體"/>
+        <a:font script="Arab" typeface="Times New Roman"/>
+        <a:font script="Hebr" typeface="Times New Roman"/>
+        <a:font script="Thai" typeface="Angsana New"/>
+        <a:font script="Ethi" typeface="Nyala"/>
+        <a:font script="Beng" typeface="Vrinda"/>
+        <a:font script="Gujr" typeface="Shruti"/>
+        <a:font script="Khmr" typeface="MoolBoran"/>
+        <a:font script="Knda" typeface="Tunga"/>
+        <a:font script="Guru" typeface="Raavi"/>
+        <a:font script="Cans" typeface="Euphemia"/>
+        <a:font script="Cher" typeface="Plantagenet Cherokee"/>
+        <a:font script="Yiii" typeface="Microsoft Yi Baiti"/>
+        <a:font script="Tibt" typeface="Microsoft Himalaya"/>
+        <a:font script="Thaa" typeface="MV Boli"/>
+        <a:font script="Deva" typeface="Mangal"/>
+        <a:font script="Telu" typeface="Gautami"/>
+        <a:font script="Taml" typeface="Latha"/>
+        <a:font script="Syrc" typeface="Estrangelo Edessa"/>
+        <a:font script="Orya" typeface="Kalinga"/>
+        <a:font script="Mlym" typeface="Kartika"/>
+        <a:font script="Laoo" typeface="DokChampa"/>
+        <a:font script="Sinh" typeface="Iskoola Pota"/>
+        <a:font script="Mong" typeface="Mongolian Baiti"/>
+        <a:font script="Viet" typeface="Times New Roman"/>
+        <a:font script="Uigh" typeface="Microsoft Uighur"/>
+        <a:font script="Geor" typeface="Sylfaen"/>
+      </a:majorFont>
+      <a:minorFont>
+        <a:latin typeface="Arial"/>
+        <a:ea typeface=""/>
+        <a:cs typeface=""/>
+        <a:font script="Jpan" typeface="ＭＳ Ｐゴシック"/>
+        <a:font script="Hang" typeface="맑은 고딕"/>
+        <a:font script="Hans" typeface="宋体"/>
+        <a:font script="Hant" typeface="新細明體"/>
+        <a:font script="Arab" typeface="Arial"/>
+        <a:font script="Hebr" typeface="Arial"/>
+        <a:font script="Thai" typeface="Cordia New"/>
+        <a:font script="Ethi" typeface="Nyala"/>
+        <a:font script="Beng" typeface="Vrinda"/>
+        <a:font script="Gujr" typeface="Shruti"/>
+        <a:font script="Khmr" typeface="DaunPenh"/>
+        <a:font script="Knda" typeface="Tunga"/>
+        <a:font script="Guru" typeface="Raavi"/>
+        <a:font script="Cans" typeface="Euphemia"/>
+        <a:font script="Cher" typeface="Plantagenet Cherokee"/>
+        <a:font script="Yiii" typeface="Microsoft Yi Baiti"/>
+        <a:font script="Tibt" typeface="Microsoft Himalaya"/>
+        <a:font script="Thaa" typeface="MV Boli"/>
+        <a:font script="Deva" typeface="Mangal"/>
+        <a:font script="Telu" typeface="Gautami"/>
+        <a:font script="Taml" typeface="Latha"/>
+        <a:font script="Syrc" typeface="Estrangelo Edessa"/>
+        <a:font script="Orya" typeface="Kalinga"/>
+        <a:font script="Mlym" typeface="Kartika"/>
+        <a:font script="Laoo" typeface="DokChampa"/>
+        <a:font script="Sinh" typeface="Iskoola Pota"/>
+        <a:font script="Mong" typeface="Mongolian Baiti"/>
+        <a:font script="Viet" typeface="Arial"/>
+        <a:font script="Uigh" typeface="Microsoft Uighur"/>
+        <a:font script="Geor" typeface="Sylfaen"/>
+      </a:minorFont>
+    </a:fontScheme>
+    <a:fmtScheme name="Office">
+      <a:fillStyleLst>
+        <a:solidFill>
+          <a:schemeClr val="phClr"/>
+        </a:solidFill>
+        <a:gradFill rotWithShape="1">
+          <a:gsLst>
+            <a:gs pos="0">
+              <a:schemeClr val="phClr">
+                <a:tint val="50000"/>
+                <a:satMod val="300000"/>
+              </a:schemeClr>
+            </a:gs>
+            <a:gs pos="35000">
+              <a:schemeClr val="phClr">
+                <a:tint val="37000"/>
+                <a:satMod val="300000"/>
+              </a:schemeClr>
+            </a:gs>
+            <a:gs pos="100000">
+              <a:schemeClr val="phClr">
+                <a:tint val="15000"/>
+                <a:satMod val="350000"/>
+              </a:schemeClr>
+            </a:gs>
+          </a:gsLst>
+          <a:lin ang="16200000" scaled="1"/>
+        </a:gradFill>
+        <a:gradFill rotWithShape="1">
+          <a:gsLst>
+            <a:gs pos="0">
+              <a:schemeClr val="phClr">
+                <a:tint val="100000"/>
+                <a:shade val="100000"/>
+                <a:satMod val="130000"/>
+              </a:schemeClr>
+            </a:gs>
+            <a:gs pos="100000">
+              <a:schemeClr val="phClr">
+                <a:tint val="50000"/>
+                <a:shade val="100000"/>
+                <a:satMod val="350000"/>
+              </a:schemeClr>
+            </a:gs>
+          </a:gsLst>
+          <a:lin ang="16200000" scaled="0"/>
+        </a:gradFill>
+      </a:fillStyleLst>
+      <a:lnStyleLst>
+        <a:ln w="9525" cap="flat" cmpd="sng" algn="ctr">
+          <a:solidFill>
+            <a:schemeClr val="phClr">
+              <a:shade val="95000"/>
+              <a:satMod val="105000"/>
+            </a:schemeClr>
+          </a:solidFill>
+          <a:prstDash val="solid"/>
+        </a:ln>
+        <a:ln w="25400" cap="flat" cmpd="sng" algn="ctr">
+          <a:solidFill>
+            <a:schemeClr val="phClr"/>
+          </a:solidFill>
+          <a:prstDash val="solid"/>
+        </a:ln>
+        <a:ln w="38100" cap="flat" cmpd="sng" algn="ctr">
+          <a:solidFill>
+            <a:schemeClr val="phClr"/>
+          </a:solidFill>
+          <a:prstDash val="solid"/>
+        </a:ln>
+      </a:lnStyleLst>
+      <a:effectStyleLst>
+        <a:effectStyle>
+          <a:effectLst>
+            <a:outerShdw blurRad="40000" dist="20000" dir="5400000" rotWithShape="0">
+              <a:srgbClr val="000000">
+                <a:alpha val="38000"/>
+              </a:srgbClr>
+            </a:outerShdw>
+          </a:effectLst>
+        </a:effectStyle>
+        <a:effectStyle>
+          <a:effectLst>
+            <a:outerShdw blurRad="40000" dist="23000" dir="5400000" rotWithShape="0">
+              <a:srgbClr val="000000">
+                <a:alpha val="35000"/>
+              </a:srgbClr>
+            </a:outerShdw>
+          </a:effectLst>
+        </a:effectStyle>
+        <a:effectStyle>
+          <a:effectLst>
+            <a:outerShdw blurRad="40000" dist="23000" dir="5400000" rotWithShape="0">
+              <a:srgbClr val="000000">
+                <a:alpha val="35000"/>
+              </a:srgbClr>
+            </a:outerShdw>
+          </a:effectLst>
+          <a:scene3d>
+            <a:camera prst="orthographicFront">
+              <a:rot lat="0" lon="0" rev="0"/>
+            </a:camera>
+            <a:lightRig rig="threePt" dir="t">
+              <a:rot lat="0" lon="0" rev="1200000"/>
+            </a:lightRig>
+          </a:scene3d>
+          <a:sp3d>
+            <a:bevelT w="63500" h="25400"/>
+          </a:sp3d>
+        </a:effectStyle>
+      </a:effectStyleLst>
+      <a:bgFillStyleLst>
+        <a:solidFill>
+          <a:schemeClr val="phClr"/>
+        </a:solidFill>
+        <a:gradFill rotWithShape="1">
+          <a:gsLst>
+            <a:gs pos="0">
+              <a:schemeClr val="phClr">
+                <a:tint val="40000"/>
+                <a:satMod val="350000"/>
+              </a:schemeClr>
+            </a:gs>
+            <a:gs pos="40000">
+              <a:schemeClr val="phClr">
+                <a:tint val="45000"/>
+                <a:shade val="99000"/>
+                <a:satMod val="350000"/>
+              </a:schemeClr>
+            </a:gs>
+            <a:gs pos="100000">
+              <a:schemeClr val="phClr">
+                <a:shade val="20000"/>
+                <a:satMod val="255000"/>
+              </a:schemeClr>
+            </a:gs>
+          </a:gsLst>
+          <a:path path="circle">
+            <a:fillToRect l="50000" t="-80000" r="50000" b="180000"/>
+          </a:path>
+        </a:gradFill>
+        <a:gradFill rotWithShape="1">
+          <a:gsLst>
+            <a:gs pos="0">
+              <a:schemeClr val="phClr">
+                <a:tint val="80000"/>
+                <a:satMod val="300000"/>
+              </a:schemeClr>
+            </a:gs>
+            <a:gs pos="100000">
+              <a:schemeClr val="phClr">
+                <a:shade val="30000"/>
+                <a:satMod val="200000"/>
+              </a:schemeClr>
+            </a:gs>
+          </a:gsLst>
+          <a:path path="circle">
+            <a:fillToRect l="50000" t="50000" r="50000" b="50000"/>
+          </a:path>
+        </a:gradFill>
+      </a:bgFillStyleLst>
+    </a:fmtScheme>
+  </a:themeElements>
+</a:theme>
+</file>
+
+<file path=ppt/theme/theme2.xml><?xml version="1.0" encoding="utf-8"?>
 <a:theme xmlns:a="http://schemas.openxmlformats.org/drawingml/2006/main" xmlns:r="http://schemas.openxmlformats.org/officeDocument/2006/relationships" name="Simple Light">
   <a:themeElements>
     <a:clrScheme name="Simple Light">
@@ -7611,283 +8175,4 @@
     </a:fmtScheme>
   </a:themeElements>
 </a:theme>
-</file>
-
-<file path=ppt/theme/theme2.xml><?xml version="1.0" encoding="utf-8"?>
-<a:theme xmlns:a="http://schemas.openxmlformats.org/drawingml/2006/main" xmlns:r="http://schemas.openxmlformats.org/officeDocument/2006/relationships">
-  <a:themeElements>
-    <a:clrScheme name="Default">
-      <a:dk1>
-        <a:srgbClr val="000000"/>
-      </a:dk1>
-      <a:lt1>
-        <a:srgbClr val="FFFFFF"/>
-      </a:lt1>
-      <a:dk2>
-        <a:srgbClr val="158158"/>
-      </a:dk2>
-      <a:lt2>
-        <a:srgbClr val="F3F3F3"/>
-      </a:lt2>
-      <a:accent1>
-        <a:srgbClr val="058DC7"/>
-      </a:accent1>
-      <a:accent2>
-        <a:srgbClr val="50B432"/>
-      </a:accent2>
-      <a:accent3>
-        <a:srgbClr val="ED561B"/>
-      </a:accent3>
-      <a:accent4>
-        <a:srgbClr val="EDEF00"/>
-      </a:accent4>
-      <a:accent5>
-        <a:srgbClr val="24CBE5"/>
-      </a:accent5>
-      <a:accent6>
-        <a:srgbClr val="64E572"/>
-      </a:accent6>
-      <a:hlink>
-        <a:srgbClr val="2200CC"/>
-      </a:hlink>
-      <a:folHlink>
-        <a:srgbClr val="551A8B"/>
-      </a:folHlink>
-    </a:clrScheme>
-    <a:fontScheme name="Office">
-      <a:majorFont>
-        <a:latin typeface="Arial"/>
-        <a:ea typeface=""/>
-        <a:cs typeface=""/>
-        <a:font script="Jpan" typeface="ＭＳ Ｐゴシック"/>
-        <a:font script="Hang" typeface="맑은 고딕"/>
-        <a:font script="Hans" typeface="宋体"/>
-        <a:font script="Hant" typeface="新細明體"/>
-        <a:font script="Arab" typeface="Times New Roman"/>
-        <a:font script="Hebr" typeface="Times New Roman"/>
-        <a:font script="Thai" typeface="Angsana New"/>
-        <a:font script="Ethi" typeface="Nyala"/>
-        <a:font script="Beng" typeface="Vrinda"/>
-        <a:font script="Gujr" typeface="Shruti"/>
-        <a:font script="Khmr" typeface="MoolBoran"/>
-        <a:font script="Knda" typeface="Tunga"/>
-        <a:font script="Guru" typeface="Raavi"/>
-        <a:font script="Cans" typeface="Euphemia"/>
-        <a:font script="Cher" typeface="Plantagenet Cherokee"/>
-        <a:font script="Yiii" typeface="Microsoft Yi Baiti"/>
-        <a:font script="Tibt" typeface="Microsoft Himalaya"/>
-        <a:font script="Thaa" typeface="MV Boli"/>
-        <a:font script="Deva" typeface="Mangal"/>
-        <a:font script="Telu" typeface="Gautami"/>
-        <a:font script="Taml" typeface="Latha"/>
-        <a:font script="Syrc" typeface="Estrangelo Edessa"/>
-        <a:font script="Orya" typeface="Kalinga"/>
-        <a:font script="Mlym" typeface="Kartika"/>
-        <a:font script="Laoo" typeface="DokChampa"/>
-        <a:font script="Sinh" typeface="Iskoola Pota"/>
-        <a:font script="Mong" typeface="Mongolian Baiti"/>
-        <a:font script="Viet" typeface="Times New Roman"/>
-        <a:font script="Uigh" typeface="Microsoft Uighur"/>
-        <a:font script="Geor" typeface="Sylfaen"/>
-      </a:majorFont>
-      <a:minorFont>
-        <a:latin typeface="Arial"/>
-        <a:ea typeface=""/>
-        <a:cs typeface=""/>
-        <a:font script="Jpan" typeface="ＭＳ Ｐゴシック"/>
-        <a:font script="Hang" typeface="맑은 고딕"/>
-        <a:font script="Hans" typeface="宋体"/>
-        <a:font script="Hant" typeface="新細明體"/>
-        <a:font script="Arab" typeface="Arial"/>
-        <a:font script="Hebr" typeface="Arial"/>
-        <a:font script="Thai" typeface="Cordia New"/>
-        <a:font script="Ethi" typeface="Nyala"/>
-        <a:font script="Beng" typeface="Vrinda"/>
-        <a:font script="Gujr" typeface="Shruti"/>
-        <a:font script="Khmr" typeface="DaunPenh"/>
-        <a:font script="Knda" typeface="Tunga"/>
-        <a:font script="Guru" typeface="Raavi"/>
-        <a:font script="Cans" typeface="Euphemia"/>
-        <a:font script="Cher" typeface="Plantagenet Cherokee"/>
-        <a:font script="Yiii" typeface="Microsoft Yi Baiti"/>
-        <a:font script="Tibt" typeface="Microsoft Himalaya"/>
-        <a:font script="Thaa" typeface="MV Boli"/>
-        <a:font script="Deva" typeface="Mangal"/>
-        <a:font script="Telu" typeface="Gautami"/>
-        <a:font script="Taml" typeface="Latha"/>
-        <a:font script="Syrc" typeface="Estrangelo Edessa"/>
-        <a:font script="Orya" typeface="Kalinga"/>
-        <a:font script="Mlym" typeface="Kartika"/>
-        <a:font script="Laoo" typeface="DokChampa"/>
-        <a:font script="Sinh" typeface="Iskoola Pota"/>
-        <a:font script="Mong" typeface="Mongolian Baiti"/>
-        <a:font script="Viet" typeface="Arial"/>
-        <a:font script="Uigh" typeface="Microsoft Uighur"/>
-        <a:font script="Geor" typeface="Sylfaen"/>
-      </a:minorFont>
-    </a:fontScheme>
-    <a:fmtScheme name="Office">
-      <a:fillStyleLst>
-        <a:solidFill>
-          <a:schemeClr val="phClr"/>
-        </a:solidFill>
-        <a:gradFill rotWithShape="1">
-          <a:gsLst>
-            <a:gs pos="0">
-              <a:schemeClr val="phClr">
-                <a:tint val="50000"/>
-                <a:satMod val="300000"/>
-              </a:schemeClr>
-            </a:gs>
-            <a:gs pos="35000">
-              <a:schemeClr val="phClr">
-                <a:tint val="37000"/>
-                <a:satMod val="300000"/>
-              </a:schemeClr>
-            </a:gs>
-            <a:gs pos="100000">
-              <a:schemeClr val="phClr">
-                <a:tint val="15000"/>
-                <a:satMod val="350000"/>
-              </a:schemeClr>
-            </a:gs>
-          </a:gsLst>
-          <a:lin ang="16200000" scaled="1"/>
-        </a:gradFill>
-        <a:gradFill rotWithShape="1">
-          <a:gsLst>
-            <a:gs pos="0">
-              <a:schemeClr val="phClr">
-                <a:tint val="100000"/>
-                <a:shade val="100000"/>
-                <a:satMod val="130000"/>
-              </a:schemeClr>
-            </a:gs>
-            <a:gs pos="100000">
-              <a:schemeClr val="phClr">
-                <a:tint val="50000"/>
-                <a:shade val="100000"/>
-                <a:satMod val="350000"/>
-              </a:schemeClr>
-            </a:gs>
-          </a:gsLst>
-          <a:lin ang="16200000" scaled="0"/>
-        </a:gradFill>
-      </a:fillStyleLst>
-      <a:lnStyleLst>
-        <a:ln w="9525" cap="flat" cmpd="sng" algn="ctr">
-          <a:solidFill>
-            <a:schemeClr val="phClr">
-              <a:shade val="95000"/>
-              <a:satMod val="105000"/>
-            </a:schemeClr>
-          </a:solidFill>
-          <a:prstDash val="solid"/>
-        </a:ln>
-        <a:ln w="25400" cap="flat" cmpd="sng" algn="ctr">
-          <a:solidFill>
-            <a:schemeClr val="phClr"/>
-          </a:solidFill>
-          <a:prstDash val="solid"/>
-        </a:ln>
-        <a:ln w="38100" cap="flat" cmpd="sng" algn="ctr">
-          <a:solidFill>
-            <a:schemeClr val="phClr"/>
-          </a:solidFill>
-          <a:prstDash val="solid"/>
-        </a:ln>
-      </a:lnStyleLst>
-      <a:effectStyleLst>
-        <a:effectStyle>
-          <a:effectLst>
-            <a:outerShdw blurRad="40000" dist="20000" dir="5400000" rotWithShape="0">
-              <a:srgbClr val="000000">
-                <a:alpha val="38000"/>
-              </a:srgbClr>
-            </a:outerShdw>
-          </a:effectLst>
-        </a:effectStyle>
-        <a:effectStyle>
-          <a:effectLst>
-            <a:outerShdw blurRad="40000" dist="23000" dir="5400000" rotWithShape="0">
-              <a:srgbClr val="000000">
-                <a:alpha val="35000"/>
-              </a:srgbClr>
-            </a:outerShdw>
-          </a:effectLst>
-        </a:effectStyle>
-        <a:effectStyle>
-          <a:effectLst>
-            <a:outerShdw blurRad="40000" dist="23000" dir="5400000" rotWithShape="0">
-              <a:srgbClr val="000000">
-                <a:alpha val="35000"/>
-              </a:srgbClr>
-            </a:outerShdw>
-          </a:effectLst>
-          <a:scene3d>
-            <a:camera prst="orthographicFront">
-              <a:rot lat="0" lon="0" rev="0"/>
-            </a:camera>
-            <a:lightRig rig="threePt" dir="t">
-              <a:rot lat="0" lon="0" rev="1200000"/>
-            </a:lightRig>
-          </a:scene3d>
-          <a:sp3d>
-            <a:bevelT w="63500" h="25400"/>
-          </a:sp3d>
-        </a:effectStyle>
-      </a:effectStyleLst>
-      <a:bgFillStyleLst>
-        <a:solidFill>
-          <a:schemeClr val="phClr"/>
-        </a:solidFill>
-        <a:gradFill rotWithShape="1">
-          <a:gsLst>
-            <a:gs pos="0">
-              <a:schemeClr val="phClr">
-                <a:tint val="40000"/>
-                <a:satMod val="350000"/>
-              </a:schemeClr>
-            </a:gs>
-            <a:gs pos="40000">
-              <a:schemeClr val="phClr">
-                <a:tint val="45000"/>
-                <a:shade val="99000"/>
-                <a:satMod val="350000"/>
-              </a:schemeClr>
-            </a:gs>
-            <a:gs pos="100000">
-              <a:schemeClr val="phClr">
-                <a:shade val="20000"/>
-                <a:satMod val="255000"/>
-              </a:schemeClr>
-            </a:gs>
-          </a:gsLst>
-          <a:path path="circle">
-            <a:fillToRect l="50000" t="-80000" r="50000" b="180000"/>
-          </a:path>
-        </a:gradFill>
-        <a:gradFill rotWithShape="1">
-          <a:gsLst>
-            <a:gs pos="0">
-              <a:schemeClr val="phClr">
-                <a:tint val="80000"/>
-                <a:satMod val="300000"/>
-              </a:schemeClr>
-            </a:gs>
-            <a:gs pos="100000">
-              <a:schemeClr val="phClr">
-                <a:shade val="30000"/>
-                <a:satMod val="200000"/>
-              </a:schemeClr>
-            </a:gs>
-          </a:gsLst>
-          <a:path path="circle">
-            <a:fillToRect l="50000" t="50000" r="50000" b="50000"/>
-          </a:path>
-        </a:gradFill>
-      </a:bgFillStyleLst>
-    </a:fmtScheme>
-  </a:themeElements>
-</a:theme>
 </file>